--- a/Umami_YYDS/Paper_Fig/TastePeptidesDB/科学配图展示.pptx
+++ b/Umami_YYDS/Paper_Fig/TastePeptidesDB/科学配图展示.pptx
@@ -261,7 +261,7 @@
           <a:p>
             <a:fld id="{AD520B97-9086-4087-8872-4765B7BE18FD}" type="datetimeFigureOut">
               <a:rPr lang="zh-CN" altLang="en-US" smtClean="0"/>
-              <a:t>2021/11/1</a:t>
+              <a:t>2021/11/5</a:t>
             </a:fld>
             <a:endParaRPr lang="zh-CN" altLang="en-US"/>
           </a:p>
@@ -431,7 +431,7 @@
           <a:p>
             <a:fld id="{AD520B97-9086-4087-8872-4765B7BE18FD}" type="datetimeFigureOut">
               <a:rPr lang="zh-CN" altLang="en-US" smtClean="0"/>
-              <a:t>2021/11/1</a:t>
+              <a:t>2021/11/5</a:t>
             </a:fld>
             <a:endParaRPr lang="zh-CN" altLang="en-US"/>
           </a:p>
@@ -611,7 +611,7 @@
           <a:p>
             <a:fld id="{AD520B97-9086-4087-8872-4765B7BE18FD}" type="datetimeFigureOut">
               <a:rPr lang="zh-CN" altLang="en-US" smtClean="0"/>
-              <a:t>2021/11/1</a:t>
+              <a:t>2021/11/5</a:t>
             </a:fld>
             <a:endParaRPr lang="zh-CN" altLang="en-US"/>
           </a:p>
@@ -781,7 +781,7 @@
           <a:p>
             <a:fld id="{AD520B97-9086-4087-8872-4765B7BE18FD}" type="datetimeFigureOut">
               <a:rPr lang="zh-CN" altLang="en-US" smtClean="0"/>
-              <a:t>2021/11/1</a:t>
+              <a:t>2021/11/5</a:t>
             </a:fld>
             <a:endParaRPr lang="zh-CN" altLang="en-US"/>
           </a:p>
@@ -1025,7 +1025,7 @@
           <a:p>
             <a:fld id="{AD520B97-9086-4087-8872-4765B7BE18FD}" type="datetimeFigureOut">
               <a:rPr lang="zh-CN" altLang="en-US" smtClean="0"/>
-              <a:t>2021/11/1</a:t>
+              <a:t>2021/11/5</a:t>
             </a:fld>
             <a:endParaRPr lang="zh-CN" altLang="en-US"/>
           </a:p>
@@ -1257,7 +1257,7 @@
           <a:p>
             <a:fld id="{AD520B97-9086-4087-8872-4765B7BE18FD}" type="datetimeFigureOut">
               <a:rPr lang="zh-CN" altLang="en-US" smtClean="0"/>
-              <a:t>2021/11/1</a:t>
+              <a:t>2021/11/5</a:t>
             </a:fld>
             <a:endParaRPr lang="zh-CN" altLang="en-US"/>
           </a:p>
@@ -1624,7 +1624,7 @@
           <a:p>
             <a:fld id="{AD520B97-9086-4087-8872-4765B7BE18FD}" type="datetimeFigureOut">
               <a:rPr lang="zh-CN" altLang="en-US" smtClean="0"/>
-              <a:t>2021/11/1</a:t>
+              <a:t>2021/11/5</a:t>
             </a:fld>
             <a:endParaRPr lang="zh-CN" altLang="en-US"/>
           </a:p>
@@ -1742,7 +1742,7 @@
           <a:p>
             <a:fld id="{AD520B97-9086-4087-8872-4765B7BE18FD}" type="datetimeFigureOut">
               <a:rPr lang="zh-CN" altLang="en-US" smtClean="0"/>
-              <a:t>2021/11/1</a:t>
+              <a:t>2021/11/5</a:t>
             </a:fld>
             <a:endParaRPr lang="zh-CN" altLang="en-US"/>
           </a:p>
@@ -1837,7 +1837,7 @@
           <a:p>
             <a:fld id="{AD520B97-9086-4087-8872-4765B7BE18FD}" type="datetimeFigureOut">
               <a:rPr lang="zh-CN" altLang="en-US" smtClean="0"/>
-              <a:t>2021/11/1</a:t>
+              <a:t>2021/11/5</a:t>
             </a:fld>
             <a:endParaRPr lang="zh-CN" altLang="en-US"/>
           </a:p>
@@ -2114,7 +2114,7 @@
           <a:p>
             <a:fld id="{AD520B97-9086-4087-8872-4765B7BE18FD}" type="datetimeFigureOut">
               <a:rPr lang="zh-CN" altLang="en-US" smtClean="0"/>
-              <a:t>2021/11/1</a:t>
+              <a:t>2021/11/5</a:t>
             </a:fld>
             <a:endParaRPr lang="zh-CN" altLang="en-US"/>
           </a:p>
@@ -2371,7 +2371,7 @@
           <a:p>
             <a:fld id="{AD520B97-9086-4087-8872-4765B7BE18FD}" type="datetimeFigureOut">
               <a:rPr lang="zh-CN" altLang="en-US" smtClean="0"/>
-              <a:t>2021/11/1</a:t>
+              <a:t>2021/11/5</a:t>
             </a:fld>
             <a:endParaRPr lang="zh-CN" altLang="en-US"/>
           </a:p>
@@ -2584,7 +2584,7 @@
           <a:p>
             <a:fld id="{AD520B97-9086-4087-8872-4765B7BE18FD}" type="datetimeFigureOut">
               <a:rPr lang="zh-CN" altLang="en-US" smtClean="0"/>
-              <a:t>2021/11/1</a:t>
+              <a:t>2021/11/5</a:t>
             </a:fld>
             <a:endParaRPr lang="zh-CN" altLang="en-US"/>
           </a:p>
@@ -3417,7 +3417,7 @@
         </p:blipFill>
         <p:spPr>
           <a:xfrm>
-            <a:off x="4483115" y="5311854"/>
+            <a:off x="6239935" y="5406657"/>
             <a:ext cx="6343262" cy="4440282"/>
           </a:xfrm>
           <a:prstGeom prst="rect">
@@ -5249,7 +5249,7 @@
         </p:nvGrpSpPr>
         <p:grpSpPr>
           <a:xfrm>
-            <a:off x="588616" y="626404"/>
+            <a:off x="457583" y="645593"/>
             <a:ext cx="9237555" cy="4733006"/>
             <a:chOff x="430002" y="3548487"/>
             <a:chExt cx="7501727" cy="3421661"/>
@@ -6669,7 +6669,7 @@
         </p:blipFill>
         <p:spPr>
           <a:xfrm>
-            <a:off x="358815" y="3352228"/>
+            <a:off x="358814" y="3313710"/>
             <a:ext cx="7719302" cy="3610382"/>
           </a:xfrm>
           <a:prstGeom prst="rect">
@@ -6707,6 +6707,41 @@
           <a:chExt cx="0" cy="0"/>
         </a:xfrm>
       </p:grpSpPr>
+      <p:pic>
+        <p:nvPicPr>
+          <p:cNvPr id="3" name="图片 2" descr="图形用户界面, 应用程序&#10;&#10;描述已自动生成">
+            <a:extLst>
+              <a:ext uri="{FF2B5EF4-FFF2-40B4-BE49-F238E27FC236}">
+                <a16:creationId xmlns:a16="http://schemas.microsoft.com/office/drawing/2014/main" id="{C3A94743-2AC2-4E4B-8999-DB76181936A0}"/>
+              </a:ext>
+            </a:extLst>
+          </p:cNvPr>
+          <p:cNvPicPr>
+            <a:picLocks noChangeAspect="1"/>
+          </p:cNvPicPr>
+          <p:nvPr/>
+        </p:nvPicPr>
+        <p:blipFill rotWithShape="1">
+          <a:blip r:embed="rId2">
+            <a:extLst>
+              <a:ext uri="{28A0092B-C50C-407E-A947-70E740481C1C}">
+                <a14:useLocalDpi xmlns:a14="http://schemas.microsoft.com/office/drawing/2010/main" val="0"/>
+              </a:ext>
+            </a:extLst>
+          </a:blip>
+          <a:srcRect t="-703" r="22470"/>
+          <a:stretch/>
+        </p:blipFill>
+        <p:spPr>
+          <a:xfrm>
+            <a:off x="0" y="2457450"/>
+            <a:ext cx="9925050" cy="4653781"/>
+          </a:xfrm>
+          <a:prstGeom prst="rect">
+            <a:avLst/>
+          </a:prstGeom>
+        </p:spPr>
+      </p:pic>
     </p:spTree>
     <p:extLst>
       <p:ext uri="{BB962C8B-B14F-4D97-AF65-F5344CB8AC3E}">
